--- a/Operation DAD Presentation.pptx
+++ b/Operation DAD Presentation.pptx
@@ -10,9 +10,11 @@
     <p:sldId id="257" r:id="rId4"/>
     <p:sldId id="258" r:id="rId5"/>
     <p:sldId id="260" r:id="rId6"/>
-    <p:sldId id="261" r:id="rId7"/>
-    <p:sldId id="262" r:id="rId8"/>
-    <p:sldId id="263" r:id="rId9"/>
+    <p:sldId id="264" r:id="rId7"/>
+    <p:sldId id="265" r:id="rId8"/>
+    <p:sldId id="261" r:id="rId9"/>
+    <p:sldId id="262" r:id="rId10"/>
+    <p:sldId id="263" r:id="rId11"/>
   </p:sldIdLst>
   <p:sldSz cx="12192000" cy="6858000"/>
   <p:notesSz cx="6858000" cy="9144000"/>
@@ -111,6 +113,11 @@
       </a:defRPr>
     </a:lvl9pPr>
   </p:defaultTextStyle>
+  <p:extLst>
+    <p:ext uri="{EFAFB233-063F-42B5-8137-9DF3F51BA10A}">
+      <p15:sldGuideLst xmlns:p15="http://schemas.microsoft.com/office/powerpoint/2012/main"/>
+    </p:ext>
+  </p:extLst>
 </p:presentation>
 </file>
 
@@ -171,7 +178,7 @@
           <a:noFill/>
           <a:extLst>
             <a:ext uri="{909E8E84-426E-40dd-AFC4-6F175D3DCCD1}">
-              <a14:hiddenFill xmlns:a14="http://schemas.microsoft.com/office/drawing/2010/main" xmlns="">
+              <a14:hiddenFill xmlns="" xmlns:a14="http://schemas.microsoft.com/office/drawing/2010/main">
                 <a:solidFill>
                   <a:srgbClr val="FFFFFF"/>
                 </a:solidFill>
@@ -230,7 +237,7 @@
             </a:ln>
             <a:extLst>
               <a:ext uri="{91240B29-F687-4f45-9708-019B960494DF}">
-                <a14:hiddenLine xmlns:a14="http://schemas.microsoft.com/office/drawing/2010/main" xmlns="" w="9525">
+                <a14:hiddenLine xmlns="" xmlns:a14="http://schemas.microsoft.com/office/drawing/2010/main" w="9525">
                   <a:solidFill>
                     <a:srgbClr val="000000"/>
                   </a:solidFill>
@@ -320,7 +327,7 @@
             </a:ln>
             <a:extLst>
               <a:ext uri="{91240B29-F687-4f45-9708-019B960494DF}">
-                <a14:hiddenLine xmlns:a14="http://schemas.microsoft.com/office/drawing/2010/main" xmlns="" w="9525">
+                <a14:hiddenLine xmlns="" xmlns:a14="http://schemas.microsoft.com/office/drawing/2010/main" w="9525">
                   <a:solidFill>
                     <a:srgbClr val="000000"/>
                   </a:solidFill>
@@ -410,7 +417,7 @@
             </a:ln>
             <a:extLst>
               <a:ext uri="{91240B29-F687-4f45-9708-019B960494DF}">
-                <a14:hiddenLine xmlns:a14="http://schemas.microsoft.com/office/drawing/2010/main" xmlns="" w="9525">
+                <a14:hiddenLine xmlns="" xmlns:a14="http://schemas.microsoft.com/office/drawing/2010/main" w="9525">
                   <a:solidFill>
                     <a:srgbClr val="000000"/>
                   </a:solidFill>
@@ -444,7 +451,7 @@
             </a:ln>
             <a:extLst>
               <a:ext uri="{91240B29-F687-4f45-9708-019B960494DF}">
-                <a14:hiddenLine xmlns:a14="http://schemas.microsoft.com/office/drawing/2010/main" xmlns="" w="9525">
+                <a14:hiddenLine xmlns="" xmlns:a14="http://schemas.microsoft.com/office/drawing/2010/main" w="9525">
                   <a:solidFill>
                     <a:srgbClr val="000000"/>
                   </a:solidFill>
@@ -534,7 +541,7 @@
             </a:ln>
             <a:extLst>
               <a:ext uri="{91240B29-F687-4f45-9708-019B960494DF}">
-                <a14:hiddenLine xmlns:a14="http://schemas.microsoft.com/office/drawing/2010/main" xmlns="" w="9525">
+                <a14:hiddenLine xmlns="" xmlns:a14="http://schemas.microsoft.com/office/drawing/2010/main" w="9525">
                   <a:solidFill>
                     <a:srgbClr val="000000"/>
                   </a:solidFill>
@@ -596,7 +603,7 @@
             </a:ln>
             <a:extLst>
               <a:ext uri="{91240B29-F687-4f45-9708-019B960494DF}">
-                <a14:hiddenLine xmlns:a14="http://schemas.microsoft.com/office/drawing/2010/main" xmlns="" w="9525">
+                <a14:hiddenLine xmlns="" xmlns:a14="http://schemas.microsoft.com/office/drawing/2010/main" w="9525">
                   <a:solidFill>
                     <a:srgbClr val="000000"/>
                   </a:solidFill>
@@ -658,7 +665,7 @@
             </a:ln>
             <a:extLst>
               <a:ext uri="{91240B29-F687-4f45-9708-019B960494DF}">
-                <a14:hiddenLine xmlns:a14="http://schemas.microsoft.com/office/drawing/2010/main" xmlns="" w="9525">
+                <a14:hiddenLine xmlns="" xmlns:a14="http://schemas.microsoft.com/office/drawing/2010/main" w="9525">
                   <a:solidFill>
                     <a:srgbClr val="000000"/>
                   </a:solidFill>
@@ -748,7 +755,7 @@
             </a:ln>
             <a:extLst>
               <a:ext uri="{91240B29-F687-4f45-9708-019B960494DF}">
-                <a14:hiddenLine xmlns:a14="http://schemas.microsoft.com/office/drawing/2010/main" xmlns="" w="9525">
+                <a14:hiddenLine xmlns="" xmlns:a14="http://schemas.microsoft.com/office/drawing/2010/main" w="9525">
                   <a:solidFill>
                     <a:srgbClr val="000000"/>
                   </a:solidFill>
@@ -810,7 +817,7 @@
             </a:ln>
             <a:extLst>
               <a:ext uri="{91240B29-F687-4f45-9708-019B960494DF}">
-                <a14:hiddenLine xmlns:a14="http://schemas.microsoft.com/office/drawing/2010/main" xmlns="" w="9525">
+                <a14:hiddenLine xmlns="" xmlns:a14="http://schemas.microsoft.com/office/drawing/2010/main" w="9525">
                   <a:solidFill>
                     <a:srgbClr val="000000"/>
                   </a:solidFill>
@@ -872,7 +879,7 @@
             </a:ln>
             <a:extLst>
               <a:ext uri="{91240B29-F687-4f45-9708-019B960494DF}">
-                <a14:hiddenLine xmlns:a14="http://schemas.microsoft.com/office/drawing/2010/main" xmlns="" w="9525">
+                <a14:hiddenLine xmlns="" xmlns:a14="http://schemas.microsoft.com/office/drawing/2010/main" w="9525">
                   <a:solidFill>
                     <a:srgbClr val="000000"/>
                   </a:solidFill>
@@ -962,7 +969,7 @@
             </a:ln>
             <a:extLst>
               <a:ext uri="{91240B29-F687-4f45-9708-019B960494DF}">
-                <a14:hiddenLine xmlns:a14="http://schemas.microsoft.com/office/drawing/2010/main" xmlns="" w="9525">
+                <a14:hiddenLine xmlns="" xmlns:a14="http://schemas.microsoft.com/office/drawing/2010/main" w="9525">
                   <a:solidFill>
                     <a:srgbClr val="000000"/>
                   </a:solidFill>
@@ -1052,7 +1059,7 @@
             </a:ln>
             <a:extLst>
               <a:ext uri="{91240B29-F687-4f45-9708-019B960494DF}">
-                <a14:hiddenLine xmlns:a14="http://schemas.microsoft.com/office/drawing/2010/main" xmlns="" w="9525">
+                <a14:hiddenLine xmlns="" xmlns:a14="http://schemas.microsoft.com/office/drawing/2010/main" w="9525">
                   <a:solidFill>
                     <a:srgbClr val="000000"/>
                   </a:solidFill>
@@ -1114,7 +1121,7 @@
             </a:ln>
             <a:extLst>
               <a:ext uri="{91240B29-F687-4f45-9708-019B960494DF}">
-                <a14:hiddenLine xmlns:a14="http://schemas.microsoft.com/office/drawing/2010/main" xmlns="" w="9525">
+                <a14:hiddenLine xmlns="" xmlns:a14="http://schemas.microsoft.com/office/drawing/2010/main" w="9525">
                   <a:solidFill>
                     <a:srgbClr val="000000"/>
                   </a:solidFill>
@@ -1224,7 +1231,7 @@
             </a:ln>
             <a:extLst>
               <a:ext uri="{91240B29-F687-4f45-9708-019B960494DF}">
-                <a14:hiddenLine xmlns:a14="http://schemas.microsoft.com/office/drawing/2010/main" xmlns="" w="9525">
+                <a14:hiddenLine xmlns="" xmlns:a14="http://schemas.microsoft.com/office/drawing/2010/main" w="9525">
                   <a:solidFill>
                     <a:srgbClr val="000000"/>
                   </a:solidFill>
@@ -1286,7 +1293,7 @@
             </a:ln>
             <a:extLst>
               <a:ext uri="{91240B29-F687-4f45-9708-019B960494DF}">
-                <a14:hiddenLine xmlns:a14="http://schemas.microsoft.com/office/drawing/2010/main" xmlns="" w="9525">
+                <a14:hiddenLine xmlns="" xmlns:a14="http://schemas.microsoft.com/office/drawing/2010/main" w="9525">
                   <a:solidFill>
                     <a:srgbClr val="000000"/>
                   </a:solidFill>
@@ -1376,7 +1383,7 @@
             </a:ln>
             <a:extLst>
               <a:ext uri="{91240B29-F687-4f45-9708-019B960494DF}">
-                <a14:hiddenLine xmlns:a14="http://schemas.microsoft.com/office/drawing/2010/main" xmlns="" w="9525">
+                <a14:hiddenLine xmlns="" xmlns:a14="http://schemas.microsoft.com/office/drawing/2010/main" w="9525">
                   <a:solidFill>
                     <a:srgbClr val="000000"/>
                   </a:solidFill>
@@ -1466,7 +1473,7 @@
             </a:ln>
             <a:extLst>
               <a:ext uri="{91240B29-F687-4f45-9708-019B960494DF}">
-                <a14:hiddenLine xmlns:a14="http://schemas.microsoft.com/office/drawing/2010/main" xmlns="" w="9525">
+                <a14:hiddenLine xmlns="" xmlns:a14="http://schemas.microsoft.com/office/drawing/2010/main" w="9525">
                   <a:solidFill>
                     <a:srgbClr val="000000"/>
                   </a:solidFill>
@@ -1528,7 +1535,7 @@
             </a:ln>
             <a:extLst>
               <a:ext uri="{91240B29-F687-4f45-9708-019B960494DF}">
-                <a14:hiddenLine xmlns:a14="http://schemas.microsoft.com/office/drawing/2010/main" xmlns="" w="9525">
+                <a14:hiddenLine xmlns="" xmlns:a14="http://schemas.microsoft.com/office/drawing/2010/main" w="9525">
                   <a:solidFill>
                     <a:srgbClr val="000000"/>
                   </a:solidFill>
@@ -1618,7 +1625,7 @@
             </a:ln>
             <a:extLst>
               <a:ext uri="{91240B29-F687-4f45-9708-019B960494DF}">
-                <a14:hiddenLine xmlns:a14="http://schemas.microsoft.com/office/drawing/2010/main" xmlns="" w="9525">
+                <a14:hiddenLine xmlns="" xmlns:a14="http://schemas.microsoft.com/office/drawing/2010/main" w="9525">
                   <a:solidFill>
                     <a:srgbClr val="000000"/>
                   </a:solidFill>
@@ -1708,7 +1715,7 @@
             </a:ln>
             <a:extLst>
               <a:ext uri="{91240B29-F687-4f45-9708-019B960494DF}">
-                <a14:hiddenLine xmlns:a14="http://schemas.microsoft.com/office/drawing/2010/main" xmlns="" w="9525">
+                <a14:hiddenLine xmlns="" xmlns:a14="http://schemas.microsoft.com/office/drawing/2010/main" w="9525">
                   <a:solidFill>
                     <a:srgbClr val="000000"/>
                   </a:solidFill>
@@ -1764,7 +1771,7 @@
             </a:ln>
             <a:extLst>
               <a:ext uri="{91240B29-F687-4f45-9708-019B960494DF}">
-                <a14:hiddenLine xmlns:a14="http://schemas.microsoft.com/office/drawing/2010/main" xmlns="" w="9525">
+                <a14:hiddenLine xmlns="" xmlns:a14="http://schemas.microsoft.com/office/drawing/2010/main" w="9525">
                   <a:solidFill>
                     <a:srgbClr val="000000"/>
                   </a:solidFill>
@@ -1854,7 +1861,7 @@
             </a:ln>
             <a:extLst>
               <a:ext uri="{91240B29-F687-4f45-9708-019B960494DF}">
-                <a14:hiddenLine xmlns:a14="http://schemas.microsoft.com/office/drawing/2010/main" xmlns="" w="9525">
+                <a14:hiddenLine xmlns="" xmlns:a14="http://schemas.microsoft.com/office/drawing/2010/main" w="9525">
                   <a:solidFill>
                     <a:srgbClr val="000000"/>
                   </a:solidFill>
@@ -1910,7 +1917,7 @@
             </a:ln>
             <a:extLst>
               <a:ext uri="{91240B29-F687-4f45-9708-019B960494DF}">
-                <a14:hiddenLine xmlns:a14="http://schemas.microsoft.com/office/drawing/2010/main" xmlns="" w="9525">
+                <a14:hiddenLine xmlns="" xmlns:a14="http://schemas.microsoft.com/office/drawing/2010/main" w="9525">
                   <a:solidFill>
                     <a:srgbClr val="000000"/>
                   </a:solidFill>
@@ -2000,7 +2007,7 @@
             </a:ln>
             <a:extLst>
               <a:ext uri="{91240B29-F687-4f45-9708-019B960494DF}">
-                <a14:hiddenLine xmlns:a14="http://schemas.microsoft.com/office/drawing/2010/main" xmlns="" w="9525">
+                <a14:hiddenLine xmlns="" xmlns:a14="http://schemas.microsoft.com/office/drawing/2010/main" w="9525">
                   <a:solidFill>
                     <a:srgbClr val="000000"/>
                   </a:solidFill>
@@ -2068,7 +2075,7 @@
             </a:ln>
             <a:extLst>
               <a:ext uri="{91240B29-F687-4f45-9708-019B960494DF}">
-                <a14:hiddenLine xmlns:a14="http://schemas.microsoft.com/office/drawing/2010/main" xmlns="" w="9525">
+                <a14:hiddenLine xmlns="" xmlns:a14="http://schemas.microsoft.com/office/drawing/2010/main" w="9525">
                   <a:solidFill>
                     <a:srgbClr val="000000"/>
                   </a:solidFill>
@@ -2158,7 +2165,7 @@
             </a:ln>
             <a:extLst>
               <a:ext uri="{91240B29-F687-4f45-9708-019B960494DF}">
-                <a14:hiddenLine xmlns:a14="http://schemas.microsoft.com/office/drawing/2010/main" xmlns="" w="9525">
+                <a14:hiddenLine xmlns="" xmlns:a14="http://schemas.microsoft.com/office/drawing/2010/main" w="9525">
                   <a:solidFill>
                     <a:srgbClr val="000000"/>
                   </a:solidFill>
@@ -2226,7 +2233,7 @@
             </a:ln>
             <a:extLst>
               <a:ext uri="{91240B29-F687-4f45-9708-019B960494DF}">
-                <a14:hiddenLine xmlns:a14="http://schemas.microsoft.com/office/drawing/2010/main" xmlns="" w="9525">
+                <a14:hiddenLine xmlns="" xmlns:a14="http://schemas.microsoft.com/office/drawing/2010/main" w="9525">
                   <a:solidFill>
                     <a:srgbClr val="000000"/>
                   </a:solidFill>
@@ -2316,7 +2323,7 @@
             </a:ln>
             <a:extLst>
               <a:ext uri="{91240B29-F687-4f45-9708-019B960494DF}">
-                <a14:hiddenLine xmlns:a14="http://schemas.microsoft.com/office/drawing/2010/main" xmlns="" w="9525">
+                <a14:hiddenLine xmlns="" xmlns:a14="http://schemas.microsoft.com/office/drawing/2010/main" w="9525">
                   <a:solidFill>
                     <a:srgbClr val="000000"/>
                   </a:solidFill>
@@ -2350,7 +2357,7 @@
             </a:ln>
             <a:extLst>
               <a:ext uri="{91240B29-F687-4f45-9708-019B960494DF}">
-                <a14:hiddenLine xmlns:a14="http://schemas.microsoft.com/office/drawing/2010/main" xmlns="" w="9525">
+                <a14:hiddenLine xmlns="" xmlns:a14="http://schemas.microsoft.com/office/drawing/2010/main" w="9525">
                   <a:solidFill>
                     <a:srgbClr val="000000"/>
                   </a:solidFill>
@@ -2440,7 +2447,7 @@
             </a:ln>
             <a:extLst>
               <a:ext uri="{91240B29-F687-4f45-9708-019B960494DF}">
-                <a14:hiddenLine xmlns:a14="http://schemas.microsoft.com/office/drawing/2010/main" xmlns="" w="9525">
+                <a14:hiddenLine xmlns="" xmlns:a14="http://schemas.microsoft.com/office/drawing/2010/main" w="9525">
                   <a:solidFill>
                     <a:srgbClr val="000000"/>
                   </a:solidFill>
@@ -2502,7 +2509,7 @@
             </a:ln>
             <a:extLst>
               <a:ext uri="{91240B29-F687-4f45-9708-019B960494DF}">
-                <a14:hiddenLine xmlns:a14="http://schemas.microsoft.com/office/drawing/2010/main" xmlns="" w="9525">
+                <a14:hiddenLine xmlns="" xmlns:a14="http://schemas.microsoft.com/office/drawing/2010/main" w="9525">
                   <a:solidFill>
                     <a:srgbClr val="000000"/>
                   </a:solidFill>
@@ -2564,7 +2571,7 @@
             </a:ln>
             <a:extLst>
               <a:ext uri="{91240B29-F687-4f45-9708-019B960494DF}">
-                <a14:hiddenLine xmlns:a14="http://schemas.microsoft.com/office/drawing/2010/main" xmlns="" w="9525">
+                <a14:hiddenLine xmlns="" xmlns:a14="http://schemas.microsoft.com/office/drawing/2010/main" w="9525">
                   <a:solidFill>
                     <a:srgbClr val="000000"/>
                   </a:solidFill>
@@ -2654,7 +2661,7 @@
             </a:ln>
             <a:extLst>
               <a:ext uri="{91240B29-F687-4f45-9708-019B960494DF}">
-                <a14:hiddenLine xmlns:a14="http://schemas.microsoft.com/office/drawing/2010/main" xmlns="" w="9525">
+                <a14:hiddenLine xmlns="" xmlns:a14="http://schemas.microsoft.com/office/drawing/2010/main" w="9525">
                   <a:solidFill>
                     <a:srgbClr val="000000"/>
                   </a:solidFill>
@@ -2722,7 +2729,7 @@
             </a:ln>
             <a:extLst>
               <a:ext uri="{91240B29-F687-4f45-9708-019B960494DF}">
-                <a14:hiddenLine xmlns:a14="http://schemas.microsoft.com/office/drawing/2010/main" xmlns="" w="9525">
+                <a14:hiddenLine xmlns="" xmlns:a14="http://schemas.microsoft.com/office/drawing/2010/main" w="9525">
                   <a:solidFill>
                     <a:srgbClr val="000000"/>
                   </a:solidFill>
@@ -2784,7 +2791,7 @@
             </a:ln>
             <a:extLst>
               <a:ext uri="{91240B29-F687-4f45-9708-019B960494DF}">
-                <a14:hiddenLine xmlns:a14="http://schemas.microsoft.com/office/drawing/2010/main" xmlns="" w="9525">
+                <a14:hiddenLine xmlns="" xmlns:a14="http://schemas.microsoft.com/office/drawing/2010/main" w="9525">
                   <a:solidFill>
                     <a:srgbClr val="000000"/>
                   </a:solidFill>
@@ -2874,7 +2881,7 @@
             </a:ln>
             <a:extLst>
               <a:ext uri="{91240B29-F687-4f45-9708-019B960494DF}">
-                <a14:hiddenLine xmlns:a14="http://schemas.microsoft.com/office/drawing/2010/main" xmlns="" w="9525">
+                <a14:hiddenLine xmlns="" xmlns:a14="http://schemas.microsoft.com/office/drawing/2010/main" w="9525">
                   <a:solidFill>
                     <a:srgbClr val="000000"/>
                   </a:solidFill>
@@ -2936,7 +2943,7 @@
             </a:ln>
             <a:extLst>
               <a:ext uri="{91240B29-F687-4f45-9708-019B960494DF}">
-                <a14:hiddenLine xmlns:a14="http://schemas.microsoft.com/office/drawing/2010/main" xmlns="" w="9525">
+                <a14:hiddenLine xmlns="" xmlns:a14="http://schemas.microsoft.com/office/drawing/2010/main" w="9525">
                   <a:solidFill>
                     <a:srgbClr val="000000"/>
                   </a:solidFill>
@@ -3026,7 +3033,7 @@
             </a:ln>
             <a:extLst>
               <a:ext uri="{91240B29-F687-4f45-9708-019B960494DF}">
-                <a14:hiddenLine xmlns:a14="http://schemas.microsoft.com/office/drawing/2010/main" xmlns="" w="9525">
+                <a14:hiddenLine xmlns="" xmlns:a14="http://schemas.microsoft.com/office/drawing/2010/main" w="9525">
                   <a:solidFill>
                     <a:srgbClr val="000000"/>
                   </a:solidFill>
@@ -3088,7 +3095,7 @@
             </a:ln>
             <a:extLst>
               <a:ext uri="{91240B29-F687-4f45-9708-019B960494DF}">
-                <a14:hiddenLine xmlns:a14="http://schemas.microsoft.com/office/drawing/2010/main" xmlns="" w="9525">
+                <a14:hiddenLine xmlns="" xmlns:a14="http://schemas.microsoft.com/office/drawing/2010/main" w="9525">
                   <a:solidFill>
                     <a:srgbClr val="000000"/>
                   </a:solidFill>
@@ -3178,7 +3185,7 @@
             </a:ln>
             <a:extLst>
               <a:ext uri="{91240B29-F687-4f45-9708-019B960494DF}">
-                <a14:hiddenLine xmlns:a14="http://schemas.microsoft.com/office/drawing/2010/main" xmlns="" w="9525">
+                <a14:hiddenLine xmlns="" xmlns:a14="http://schemas.microsoft.com/office/drawing/2010/main" w="9525">
                   <a:solidFill>
                     <a:srgbClr val="000000"/>
                   </a:solidFill>
@@ -3212,7 +3219,7 @@
             </a:ln>
             <a:extLst>
               <a:ext uri="{91240B29-F687-4f45-9708-019B960494DF}">
-                <a14:hiddenLine xmlns:a14="http://schemas.microsoft.com/office/drawing/2010/main" xmlns="" w="9525">
+                <a14:hiddenLine xmlns="" xmlns:a14="http://schemas.microsoft.com/office/drawing/2010/main" w="9525">
                   <a:solidFill>
                     <a:srgbClr val="000000"/>
                   </a:solidFill>
@@ -3277,7 +3284,7 @@
             </a:ln>
             <a:extLst>
               <a:ext uri="{91240B29-F687-4f45-9708-019B960494DF}">
-                <a14:hiddenLine xmlns:a14="http://schemas.microsoft.com/office/drawing/2010/main" xmlns="" w="9525">
+                <a14:hiddenLine xmlns="" xmlns:a14="http://schemas.microsoft.com/office/drawing/2010/main" w="9525">
                   <a:solidFill>
                     <a:srgbClr val="000000"/>
                   </a:solidFill>
@@ -3367,7 +3374,7 @@
             </a:ln>
             <a:extLst>
               <a:ext uri="{91240B29-F687-4f45-9708-019B960494DF}">
-                <a14:hiddenLine xmlns:a14="http://schemas.microsoft.com/office/drawing/2010/main" xmlns="" w="9525">
+                <a14:hiddenLine xmlns="" xmlns:a14="http://schemas.microsoft.com/office/drawing/2010/main" w="9525">
                   <a:solidFill>
                     <a:srgbClr val="000000"/>
                   </a:solidFill>
@@ -3429,7 +3436,7 @@
             </a:ln>
             <a:extLst>
               <a:ext uri="{91240B29-F687-4f45-9708-019B960494DF}">
-                <a14:hiddenLine xmlns:a14="http://schemas.microsoft.com/office/drawing/2010/main" xmlns="" w="9525">
+                <a14:hiddenLine xmlns="" xmlns:a14="http://schemas.microsoft.com/office/drawing/2010/main" w="9525">
                   <a:solidFill>
                     <a:srgbClr val="000000"/>
                   </a:solidFill>
@@ -3519,7 +3526,7 @@
             </a:ln>
             <a:extLst>
               <a:ext uri="{91240B29-F687-4f45-9708-019B960494DF}">
-                <a14:hiddenLine xmlns:a14="http://schemas.microsoft.com/office/drawing/2010/main" xmlns="" w="9525">
+                <a14:hiddenLine xmlns="" xmlns:a14="http://schemas.microsoft.com/office/drawing/2010/main" w="9525">
                   <a:solidFill>
                     <a:srgbClr val="000000"/>
                   </a:solidFill>
@@ -3609,7 +3616,7 @@
             </a:ln>
             <a:extLst>
               <a:ext uri="{91240B29-F687-4f45-9708-019B960494DF}">
-                <a14:hiddenLine xmlns:a14="http://schemas.microsoft.com/office/drawing/2010/main" xmlns="" w="9525">
+                <a14:hiddenLine xmlns="" xmlns:a14="http://schemas.microsoft.com/office/drawing/2010/main" w="9525">
                   <a:solidFill>
                     <a:srgbClr val="000000"/>
                   </a:solidFill>
@@ -3674,7 +3681,7 @@
             </a:ln>
             <a:extLst>
               <a:ext uri="{91240B29-F687-4f45-9708-019B960494DF}">
-                <a14:hiddenLine xmlns:a14="http://schemas.microsoft.com/office/drawing/2010/main" xmlns="" w="9525">
+                <a14:hiddenLine xmlns="" xmlns:a14="http://schemas.microsoft.com/office/drawing/2010/main" w="9525">
                   <a:solidFill>
                     <a:srgbClr val="000000"/>
                   </a:solidFill>
@@ -3736,7 +3743,7 @@
             </a:ln>
             <a:extLst>
               <a:ext uri="{91240B29-F687-4f45-9708-019B960494DF}">
-                <a14:hiddenLine xmlns:a14="http://schemas.microsoft.com/office/drawing/2010/main" xmlns="" w="9525">
+                <a14:hiddenLine xmlns="" xmlns:a14="http://schemas.microsoft.com/office/drawing/2010/main" w="9525">
                   <a:solidFill>
                     <a:srgbClr val="000000"/>
                   </a:solidFill>
@@ -3826,7 +3833,7 @@
             </a:ln>
             <a:extLst>
               <a:ext uri="{91240B29-F687-4f45-9708-019B960494DF}">
-                <a14:hiddenLine xmlns:a14="http://schemas.microsoft.com/office/drawing/2010/main" xmlns="" w="9525">
+                <a14:hiddenLine xmlns="" xmlns:a14="http://schemas.microsoft.com/office/drawing/2010/main" w="9525">
                   <a:solidFill>
                     <a:srgbClr val="000000"/>
                   </a:solidFill>
@@ -3916,7 +3923,7 @@
             </a:ln>
             <a:extLst>
               <a:ext uri="{91240B29-F687-4f45-9708-019B960494DF}">
-                <a14:hiddenLine xmlns:a14="http://schemas.microsoft.com/office/drawing/2010/main" xmlns="" w="9525">
+                <a14:hiddenLine xmlns="" xmlns:a14="http://schemas.microsoft.com/office/drawing/2010/main" w="9525">
                   <a:solidFill>
                     <a:srgbClr val="000000"/>
                   </a:solidFill>
@@ -3978,7 +3985,7 @@
             </a:ln>
             <a:extLst>
               <a:ext uri="{91240B29-F687-4f45-9708-019B960494DF}">
-                <a14:hiddenLine xmlns:a14="http://schemas.microsoft.com/office/drawing/2010/main" xmlns="" w="9525">
+                <a14:hiddenLine xmlns="" xmlns:a14="http://schemas.microsoft.com/office/drawing/2010/main" w="9525">
                   <a:solidFill>
                     <a:srgbClr val="000000"/>
                   </a:solidFill>
@@ -4098,7 +4105,7 @@
             </a:ln>
             <a:extLst>
               <a:ext uri="{91240B29-F687-4f45-9708-019B960494DF}">
-                <a14:hiddenLine xmlns:a14="http://schemas.microsoft.com/office/drawing/2010/main" xmlns="" w="9525">
+                <a14:hiddenLine xmlns="" xmlns:a14="http://schemas.microsoft.com/office/drawing/2010/main" w="9525">
                   <a:solidFill>
                     <a:srgbClr val="000000"/>
                   </a:solidFill>
@@ -4166,7 +4173,7 @@
             </a:ln>
             <a:extLst>
               <a:ext uri="{91240B29-F687-4f45-9708-019B960494DF}">
-                <a14:hiddenLine xmlns:a14="http://schemas.microsoft.com/office/drawing/2010/main" xmlns="" w="9525">
+                <a14:hiddenLine xmlns="" xmlns:a14="http://schemas.microsoft.com/office/drawing/2010/main" w="9525">
                   <a:solidFill>
                     <a:srgbClr val="000000"/>
                   </a:solidFill>
@@ -4256,7 +4263,7 @@
             </a:ln>
             <a:extLst>
               <a:ext uri="{91240B29-F687-4f45-9708-019B960494DF}">
-                <a14:hiddenLine xmlns:a14="http://schemas.microsoft.com/office/drawing/2010/main" xmlns="" w="9525">
+                <a14:hiddenLine xmlns="" xmlns:a14="http://schemas.microsoft.com/office/drawing/2010/main" w="9525">
                   <a:solidFill>
                     <a:srgbClr val="000000"/>
                   </a:solidFill>
@@ -4396,7 +4403,7 @@
           <a:p>
             <a:fld id="{48A87A34-81AB-432B-8DAE-1953F412C126}" type="datetimeFigureOut">
               <a:rPr lang="en-US" dirty="0"/>
-              <a:t>4/23/2016</a:t>
+              <a:t>4/24/2016</a:t>
             </a:fld>
             <a:endParaRPr lang="en-US" dirty="0"/>
           </a:p>
@@ -4658,7 +4665,7 @@
           <a:p>
             <a:fld id="{48A87A34-81AB-432B-8DAE-1953F412C126}" type="datetimeFigureOut">
               <a:rPr lang="en-US" dirty="0"/>
-              <a:t>4/23/2016</a:t>
+              <a:t>4/24/2016</a:t>
             </a:fld>
             <a:endParaRPr lang="en-US" dirty="0"/>
           </a:p>
@@ -4849,7 +4856,7 @@
           <a:p>
             <a:fld id="{48A87A34-81AB-432B-8DAE-1953F412C126}" type="datetimeFigureOut">
               <a:rPr lang="en-US" dirty="0"/>
-              <a:t>4/23/2016</a:t>
+              <a:t>4/24/2016</a:t>
             </a:fld>
             <a:endParaRPr lang="en-US" dirty="0"/>
           </a:p>
@@ -5107,7 +5114,7 @@
           <a:p>
             <a:fld id="{48A87A34-81AB-432B-8DAE-1953F412C126}" type="datetimeFigureOut">
               <a:rPr lang="en-US" dirty="0"/>
-              <a:t>4/23/2016</a:t>
+              <a:t>4/24/2016</a:t>
             </a:fld>
             <a:endParaRPr lang="en-US" dirty="0"/>
           </a:p>
@@ -5536,7 +5543,7 @@
           <a:p>
             <a:fld id="{48A87A34-81AB-432B-8DAE-1953F412C126}" type="datetimeFigureOut">
               <a:rPr lang="en-US" dirty="0"/>
-              <a:t>4/23/2016</a:t>
+              <a:t>4/24/2016</a:t>
             </a:fld>
             <a:endParaRPr lang="en-US" dirty="0"/>
           </a:p>
@@ -6077,7 +6084,7 @@
           <a:p>
             <a:fld id="{48A87A34-81AB-432B-8DAE-1953F412C126}" type="datetimeFigureOut">
               <a:rPr lang="en-US" dirty="0"/>
-              <a:t>4/23/2016</a:t>
+              <a:t>4/24/2016</a:t>
             </a:fld>
             <a:endParaRPr lang="en-US" dirty="0"/>
           </a:p>
@@ -6792,7 +6799,7 @@
           <a:p>
             <a:fld id="{48A87A34-81AB-432B-8DAE-1953F412C126}" type="datetimeFigureOut">
               <a:rPr lang="en-US" dirty="0"/>
-              <a:t>4/23/2016</a:t>
+              <a:t>4/24/2016</a:t>
             </a:fld>
             <a:endParaRPr lang="en-US" dirty="0"/>
           </a:p>
@@ -6957,7 +6964,7 @@
           <a:p>
             <a:fld id="{48A87A34-81AB-432B-8DAE-1953F412C126}" type="datetimeFigureOut">
               <a:rPr lang="en-US" dirty="0"/>
-              <a:t>4/23/2016</a:t>
+              <a:t>4/24/2016</a:t>
             </a:fld>
             <a:endParaRPr lang="en-US" dirty="0"/>
           </a:p>
@@ -7132,7 +7139,7 @@
           <a:p>
             <a:fld id="{48A87A34-81AB-432B-8DAE-1953F412C126}" type="datetimeFigureOut">
               <a:rPr lang="en-US" dirty="0"/>
-              <a:t>4/23/2016</a:t>
+              <a:t>4/24/2016</a:t>
             </a:fld>
             <a:endParaRPr lang="en-US" dirty="0"/>
           </a:p>
@@ -7297,7 +7304,7 @@
           <a:p>
             <a:fld id="{48A87A34-81AB-432B-8DAE-1953F412C126}" type="datetimeFigureOut">
               <a:rPr lang="en-US" dirty="0"/>
-              <a:t>4/23/2016</a:t>
+              <a:t>4/24/2016</a:t>
             </a:fld>
             <a:endParaRPr lang="en-US" dirty="0"/>
           </a:p>
@@ -7542,7 +7549,7 @@
           <a:p>
             <a:fld id="{48A87A34-81AB-432B-8DAE-1953F412C126}" type="datetimeFigureOut">
               <a:rPr lang="en-US" dirty="0"/>
-              <a:t>4/23/2016</a:t>
+              <a:t>4/24/2016</a:t>
             </a:fld>
             <a:endParaRPr lang="en-US" dirty="0"/>
           </a:p>
@@ -7769,7 +7776,7 @@
           <a:p>
             <a:fld id="{48A87A34-81AB-432B-8DAE-1953F412C126}" type="datetimeFigureOut">
               <a:rPr lang="en-US" dirty="0"/>
-              <a:t>4/23/2016</a:t>
+              <a:t>4/24/2016</a:t>
             </a:fld>
             <a:endParaRPr lang="en-US" dirty="0"/>
           </a:p>
@@ -8145,7 +8152,7 @@
           <a:p>
             <a:fld id="{48A87A34-81AB-432B-8DAE-1953F412C126}" type="datetimeFigureOut">
               <a:rPr lang="en-US" dirty="0"/>
-              <a:t>4/23/2016</a:t>
+              <a:t>4/24/2016</a:t>
             </a:fld>
             <a:endParaRPr lang="en-US" dirty="0"/>
           </a:p>
@@ -8258,7 +8265,7 @@
           <a:p>
             <a:fld id="{48A87A34-81AB-432B-8DAE-1953F412C126}" type="datetimeFigureOut">
               <a:rPr lang="en-US" dirty="0"/>
-              <a:t>4/23/2016</a:t>
+              <a:t>4/24/2016</a:t>
             </a:fld>
             <a:endParaRPr lang="en-US" dirty="0"/>
           </a:p>
@@ -8348,7 +8355,7 @@
           <a:p>
             <a:fld id="{48A87A34-81AB-432B-8DAE-1953F412C126}" type="datetimeFigureOut">
               <a:rPr lang="en-US" dirty="0"/>
-              <a:t>4/23/2016</a:t>
+              <a:t>4/24/2016</a:t>
             </a:fld>
             <a:endParaRPr lang="en-US" dirty="0"/>
           </a:p>
@@ -8592,7 +8599,7 @@
           <a:p>
             <a:fld id="{48A87A34-81AB-432B-8DAE-1953F412C126}" type="datetimeFigureOut">
               <a:rPr lang="en-US" dirty="0"/>
-              <a:t>4/23/2016</a:t>
+              <a:t>4/24/2016</a:t>
             </a:fld>
             <a:endParaRPr lang="en-US" dirty="0"/>
           </a:p>
@@ -8867,7 +8874,7 @@
           <a:p>
             <a:fld id="{48A87A34-81AB-432B-8DAE-1953F412C126}" type="datetimeFigureOut">
               <a:rPr lang="en-US" dirty="0"/>
-              <a:t>4/23/2016</a:t>
+              <a:t>4/24/2016</a:t>
             </a:fld>
             <a:endParaRPr lang="en-US" dirty="0"/>
           </a:p>
@@ -8985,7 +8992,7 @@
           <a:noFill/>
           <a:extLst>
             <a:ext uri="{909E8E84-426E-40dd-AFC4-6F175D3DCCD1}">
-              <a14:hiddenFill xmlns:a14="http://schemas.microsoft.com/office/drawing/2010/main" xmlns="">
+              <a14:hiddenFill xmlns="" xmlns:a14="http://schemas.microsoft.com/office/drawing/2010/main">
                 <a:solidFill>
                   <a:srgbClr val="FFFFFF"/>
                 </a:solidFill>
@@ -9059,7 +9066,7 @@
               </a:ln>
               <a:extLst>
                 <a:ext uri="{91240B29-F687-4f45-9708-019B960494DF}">
-                  <a14:hiddenLine xmlns:a14="http://schemas.microsoft.com/office/drawing/2010/main" xmlns="" w="9525">
+                  <a14:hiddenLine xmlns="" xmlns:a14="http://schemas.microsoft.com/office/drawing/2010/main" w="9525">
                     <a:solidFill>
                       <a:srgbClr val="000000"/>
                     </a:solidFill>
@@ -9149,7 +9156,7 @@
               </a:ln>
               <a:extLst>
                 <a:ext uri="{91240B29-F687-4f45-9708-019B960494DF}">
-                  <a14:hiddenLine xmlns:a14="http://schemas.microsoft.com/office/drawing/2010/main" xmlns="" w="9525">
+                  <a14:hiddenLine xmlns="" xmlns:a14="http://schemas.microsoft.com/office/drawing/2010/main" w="9525">
                     <a:solidFill>
                       <a:srgbClr val="000000"/>
                     </a:solidFill>
@@ -9239,7 +9246,7 @@
               </a:ln>
               <a:extLst>
                 <a:ext uri="{91240B29-F687-4f45-9708-019B960494DF}">
-                  <a14:hiddenLine xmlns:a14="http://schemas.microsoft.com/office/drawing/2010/main" xmlns="" w="9525">
+                  <a14:hiddenLine xmlns="" xmlns:a14="http://schemas.microsoft.com/office/drawing/2010/main" w="9525">
                     <a:solidFill>
                       <a:srgbClr val="000000"/>
                     </a:solidFill>
@@ -9301,7 +9308,7 @@
               </a:ln>
               <a:extLst>
                 <a:ext uri="{91240B29-F687-4f45-9708-019B960494DF}">
-                  <a14:hiddenLine xmlns:a14="http://schemas.microsoft.com/office/drawing/2010/main" xmlns="" w="9525">
+                  <a14:hiddenLine xmlns="" xmlns:a14="http://schemas.microsoft.com/office/drawing/2010/main" w="9525">
                     <a:solidFill>
                       <a:srgbClr val="000000"/>
                     </a:solidFill>
@@ -9391,7 +9398,7 @@
               </a:ln>
               <a:extLst>
                 <a:ext uri="{91240B29-F687-4f45-9708-019B960494DF}">
-                  <a14:hiddenLine xmlns:a14="http://schemas.microsoft.com/office/drawing/2010/main" xmlns="" w="9525">
+                  <a14:hiddenLine xmlns="" xmlns:a14="http://schemas.microsoft.com/office/drawing/2010/main" w="9525">
                     <a:solidFill>
                       <a:srgbClr val="000000"/>
                     </a:solidFill>
@@ -9453,7 +9460,7 @@
               </a:ln>
               <a:extLst>
                 <a:ext uri="{91240B29-F687-4f45-9708-019B960494DF}">
-                  <a14:hiddenLine xmlns:a14="http://schemas.microsoft.com/office/drawing/2010/main" xmlns="" w="9525">
+                  <a14:hiddenLine xmlns="" xmlns:a14="http://schemas.microsoft.com/office/drawing/2010/main" w="9525">
                     <a:solidFill>
                       <a:srgbClr val="000000"/>
                     </a:solidFill>
@@ -9515,7 +9522,7 @@
               </a:ln>
               <a:extLst>
                 <a:ext uri="{91240B29-F687-4f45-9708-019B960494DF}">
-                  <a14:hiddenLine xmlns:a14="http://schemas.microsoft.com/office/drawing/2010/main" xmlns="" w="9525">
+                  <a14:hiddenLine xmlns="" xmlns:a14="http://schemas.microsoft.com/office/drawing/2010/main" w="9525">
                     <a:solidFill>
                       <a:srgbClr val="000000"/>
                     </a:solidFill>
@@ -9605,7 +9612,7 @@
               </a:ln>
               <a:extLst>
                 <a:ext uri="{91240B29-F687-4f45-9708-019B960494DF}">
-                  <a14:hiddenLine xmlns:a14="http://schemas.microsoft.com/office/drawing/2010/main" xmlns="" w="9525">
+                  <a14:hiddenLine xmlns="" xmlns:a14="http://schemas.microsoft.com/office/drawing/2010/main" w="9525">
                     <a:solidFill>
                       <a:srgbClr val="000000"/>
                     </a:solidFill>
@@ -9695,7 +9702,7 @@
               </a:ln>
               <a:extLst>
                 <a:ext uri="{91240B29-F687-4f45-9708-019B960494DF}">
-                  <a14:hiddenLine xmlns:a14="http://schemas.microsoft.com/office/drawing/2010/main" xmlns="" w="9525">
+                  <a14:hiddenLine xmlns="" xmlns:a14="http://schemas.microsoft.com/office/drawing/2010/main" w="9525">
                     <a:solidFill>
                       <a:srgbClr val="000000"/>
                     </a:solidFill>
@@ -9757,7 +9764,7 @@
               </a:ln>
               <a:extLst>
                 <a:ext uri="{91240B29-F687-4f45-9708-019B960494DF}">
-                  <a14:hiddenLine xmlns:a14="http://schemas.microsoft.com/office/drawing/2010/main" xmlns="" w="9525">
+                  <a14:hiddenLine xmlns="" xmlns:a14="http://schemas.microsoft.com/office/drawing/2010/main" w="9525">
                     <a:solidFill>
                       <a:srgbClr val="000000"/>
                     </a:solidFill>
@@ -9867,7 +9874,7 @@
               </a:ln>
               <a:extLst>
                 <a:ext uri="{91240B29-F687-4f45-9708-019B960494DF}">
-                  <a14:hiddenLine xmlns:a14="http://schemas.microsoft.com/office/drawing/2010/main" xmlns="" w="9525">
+                  <a14:hiddenLine xmlns="" xmlns:a14="http://schemas.microsoft.com/office/drawing/2010/main" w="9525">
                     <a:solidFill>
                       <a:srgbClr val="000000"/>
                     </a:solidFill>
@@ -9951,7 +9958,7 @@
               </a:ln>
               <a:extLst>
                 <a:ext uri="{91240B29-F687-4f45-9708-019B960494DF}">
-                  <a14:hiddenLine xmlns:a14="http://schemas.microsoft.com/office/drawing/2010/main" xmlns="" w="9525">
+                  <a14:hiddenLine xmlns="" xmlns:a14="http://schemas.microsoft.com/office/drawing/2010/main" w="9525">
                     <a:solidFill>
                       <a:srgbClr val="000000"/>
                     </a:solidFill>
@@ -10013,7 +10020,7 @@
               </a:ln>
               <a:extLst>
                 <a:ext uri="{91240B29-F687-4f45-9708-019B960494DF}">
-                  <a14:hiddenLine xmlns:a14="http://schemas.microsoft.com/office/drawing/2010/main" xmlns="" w="9525">
+                  <a14:hiddenLine xmlns="" xmlns:a14="http://schemas.microsoft.com/office/drawing/2010/main" w="9525">
                     <a:solidFill>
                       <a:srgbClr val="000000"/>
                     </a:solidFill>
@@ -10075,7 +10082,7 @@
               </a:ln>
               <a:extLst>
                 <a:ext uri="{91240B29-F687-4f45-9708-019B960494DF}">
-                  <a14:hiddenLine xmlns:a14="http://schemas.microsoft.com/office/drawing/2010/main" xmlns="" w="9525">
+                  <a14:hiddenLine xmlns="" xmlns:a14="http://schemas.microsoft.com/office/drawing/2010/main" w="9525">
                     <a:solidFill>
                       <a:srgbClr val="000000"/>
                     </a:solidFill>
@@ -10165,7 +10172,7 @@
               </a:ln>
               <a:extLst>
                 <a:ext uri="{91240B29-F687-4f45-9708-019B960494DF}">
-                  <a14:hiddenLine xmlns:a14="http://schemas.microsoft.com/office/drawing/2010/main" xmlns="" w="9525">
+                  <a14:hiddenLine xmlns="" xmlns:a14="http://schemas.microsoft.com/office/drawing/2010/main" w="9525">
                     <a:solidFill>
                       <a:srgbClr val="000000"/>
                     </a:solidFill>
@@ -10199,7 +10206,7 @@
               </a:ln>
               <a:extLst>
                 <a:ext uri="{91240B29-F687-4f45-9708-019B960494DF}">
-                  <a14:hiddenLine xmlns:a14="http://schemas.microsoft.com/office/drawing/2010/main" xmlns="" w="9525">
+                  <a14:hiddenLine xmlns="" xmlns:a14="http://schemas.microsoft.com/office/drawing/2010/main" w="9525">
                     <a:solidFill>
                       <a:srgbClr val="000000"/>
                     </a:solidFill>
@@ -10264,7 +10271,7 @@
               </a:ln>
               <a:extLst>
                 <a:ext uri="{91240B29-F687-4f45-9708-019B960494DF}">
-                  <a14:hiddenLine xmlns:a14="http://schemas.microsoft.com/office/drawing/2010/main" xmlns="" w="9525">
+                  <a14:hiddenLine xmlns="" xmlns:a14="http://schemas.microsoft.com/office/drawing/2010/main" w="9525">
                     <a:solidFill>
                       <a:srgbClr val="000000"/>
                     </a:solidFill>
@@ -10354,7 +10361,7 @@
               </a:ln>
               <a:extLst>
                 <a:ext uri="{91240B29-F687-4f45-9708-019B960494DF}">
-                  <a14:hiddenLine xmlns:a14="http://schemas.microsoft.com/office/drawing/2010/main" xmlns="" w="9525">
+                  <a14:hiddenLine xmlns="" xmlns:a14="http://schemas.microsoft.com/office/drawing/2010/main" w="9525">
                     <a:solidFill>
                       <a:srgbClr val="000000"/>
                     </a:solidFill>
@@ -10416,7 +10423,7 @@
               </a:ln>
               <a:extLst>
                 <a:ext uri="{91240B29-F687-4f45-9708-019B960494DF}">
-                  <a14:hiddenLine xmlns:a14="http://schemas.microsoft.com/office/drawing/2010/main" xmlns="" w="9525">
+                  <a14:hiddenLine xmlns="" xmlns:a14="http://schemas.microsoft.com/office/drawing/2010/main" w="9525">
                     <a:solidFill>
                       <a:srgbClr val="000000"/>
                     </a:solidFill>
@@ -10506,7 +10513,7 @@
               </a:ln>
               <a:extLst>
                 <a:ext uri="{91240B29-F687-4f45-9708-019B960494DF}">
-                  <a14:hiddenLine xmlns:a14="http://schemas.microsoft.com/office/drawing/2010/main" xmlns="" w="9525">
+                  <a14:hiddenLine xmlns="" xmlns:a14="http://schemas.microsoft.com/office/drawing/2010/main" w="9525">
                     <a:solidFill>
                       <a:srgbClr val="000000"/>
                     </a:solidFill>
@@ -10571,7 +10578,7 @@
               </a:ln>
               <a:extLst>
                 <a:ext uri="{91240B29-F687-4f45-9708-019B960494DF}">
-                  <a14:hiddenLine xmlns:a14="http://schemas.microsoft.com/office/drawing/2010/main" xmlns="" w="9525">
+                  <a14:hiddenLine xmlns="" xmlns:a14="http://schemas.microsoft.com/office/drawing/2010/main" w="9525">
                     <a:solidFill>
                       <a:srgbClr val="000000"/>
                     </a:solidFill>
@@ -10633,7 +10640,7 @@
               </a:ln>
               <a:extLst>
                 <a:ext uri="{91240B29-F687-4f45-9708-019B960494DF}">
-                  <a14:hiddenLine xmlns:a14="http://schemas.microsoft.com/office/drawing/2010/main" xmlns="" w="9525">
+                  <a14:hiddenLine xmlns="" xmlns:a14="http://schemas.microsoft.com/office/drawing/2010/main" w="9525">
                     <a:solidFill>
                       <a:srgbClr val="000000"/>
                     </a:solidFill>
@@ -10723,7 +10730,7 @@
               </a:ln>
               <a:extLst>
                 <a:ext uri="{91240B29-F687-4f45-9708-019B960494DF}">
-                  <a14:hiddenLine xmlns:a14="http://schemas.microsoft.com/office/drawing/2010/main" xmlns="" w="9525">
+                  <a14:hiddenLine xmlns="" xmlns:a14="http://schemas.microsoft.com/office/drawing/2010/main" w="9525">
                     <a:solidFill>
                       <a:srgbClr val="000000"/>
                     </a:solidFill>
@@ -10813,7 +10820,7 @@
               </a:ln>
               <a:extLst>
                 <a:ext uri="{91240B29-F687-4f45-9708-019B960494DF}">
-                  <a14:hiddenLine xmlns:a14="http://schemas.microsoft.com/office/drawing/2010/main" xmlns="" w="9525">
+                  <a14:hiddenLine xmlns="" xmlns:a14="http://schemas.microsoft.com/office/drawing/2010/main" w="9525">
                     <a:solidFill>
                       <a:srgbClr val="000000"/>
                     </a:solidFill>
@@ -10878,7 +10885,7 @@
               </a:ln>
               <a:extLst>
                 <a:ext uri="{91240B29-F687-4f45-9708-019B960494DF}">
-                  <a14:hiddenLine xmlns:a14="http://schemas.microsoft.com/office/drawing/2010/main" xmlns="" w="9525">
+                  <a14:hiddenLine xmlns="" xmlns:a14="http://schemas.microsoft.com/office/drawing/2010/main" w="9525">
                     <a:solidFill>
                       <a:srgbClr val="000000"/>
                     </a:solidFill>
@@ -10998,7 +11005,7 @@
               </a:ln>
               <a:extLst>
                 <a:ext uri="{91240B29-F687-4f45-9708-019B960494DF}">
-                  <a14:hiddenLine xmlns:a14="http://schemas.microsoft.com/office/drawing/2010/main" xmlns="" w="9525">
+                  <a14:hiddenLine xmlns="" xmlns:a14="http://schemas.microsoft.com/office/drawing/2010/main" w="9525">
                     <a:solidFill>
                       <a:srgbClr val="000000"/>
                     </a:solidFill>
@@ -11079,7 +11086,7 @@
               </a:ln>
               <a:extLst>
                 <a:ext uri="{91240B29-F687-4f45-9708-019B960494DF}">
-                  <a14:hiddenLine xmlns:a14="http://schemas.microsoft.com/office/drawing/2010/main" xmlns="" w="9525">
+                  <a14:hiddenLine xmlns="" xmlns:a14="http://schemas.microsoft.com/office/drawing/2010/main" w="9525">
                     <a:solidFill>
                       <a:srgbClr val="000000"/>
                     </a:solidFill>
@@ -11194,7 +11201,7 @@
               </a:ln>
               <a:extLst>
                 <a:ext uri="{91240B29-F687-4f45-9708-019B960494DF}">
-                  <a14:hiddenLine xmlns:a14="http://schemas.microsoft.com/office/drawing/2010/main" xmlns="" w="9525">
+                  <a14:hiddenLine xmlns="" xmlns:a14="http://schemas.microsoft.com/office/drawing/2010/main" w="9525">
                     <a:solidFill>
                       <a:srgbClr val="000000"/>
                     </a:solidFill>
@@ -11284,7 +11291,7 @@
               </a:ln>
               <a:extLst>
                 <a:ext uri="{91240B29-F687-4f45-9708-019B960494DF}">
-                  <a14:hiddenLine xmlns:a14="http://schemas.microsoft.com/office/drawing/2010/main" xmlns="" w="9525">
+                  <a14:hiddenLine xmlns="" xmlns:a14="http://schemas.microsoft.com/office/drawing/2010/main" w="9525">
                     <a:solidFill>
                       <a:srgbClr val="000000"/>
                     </a:solidFill>
@@ -11349,7 +11356,7 @@
               </a:ln>
               <a:extLst>
                 <a:ext uri="{91240B29-F687-4f45-9708-019B960494DF}">
-                  <a14:hiddenLine xmlns:a14="http://schemas.microsoft.com/office/drawing/2010/main" xmlns="" w="9525">
+                  <a14:hiddenLine xmlns="" xmlns:a14="http://schemas.microsoft.com/office/drawing/2010/main" w="9525">
                     <a:solidFill>
                       <a:srgbClr val="000000"/>
                     </a:solidFill>
@@ -11439,7 +11446,7 @@
               </a:ln>
               <a:extLst>
                 <a:ext uri="{91240B29-F687-4f45-9708-019B960494DF}">
-                  <a14:hiddenLine xmlns:a14="http://schemas.microsoft.com/office/drawing/2010/main" xmlns="" w="9525">
+                  <a14:hiddenLine xmlns="" xmlns:a14="http://schemas.microsoft.com/office/drawing/2010/main" w="9525">
                     <a:solidFill>
                       <a:srgbClr val="000000"/>
                     </a:solidFill>
@@ -11507,7 +11514,7 @@
               </a:ln>
               <a:extLst>
                 <a:ext uri="{91240B29-F687-4f45-9708-019B960494DF}">
-                  <a14:hiddenLine xmlns:a14="http://schemas.microsoft.com/office/drawing/2010/main" xmlns="" w="9525">
+                  <a14:hiddenLine xmlns="" xmlns:a14="http://schemas.microsoft.com/office/drawing/2010/main" w="9525">
                     <a:solidFill>
                       <a:srgbClr val="000000"/>
                     </a:solidFill>
@@ -11597,7 +11604,7 @@
               </a:ln>
               <a:extLst>
                 <a:ext uri="{91240B29-F687-4f45-9708-019B960494DF}">
-                  <a14:hiddenLine xmlns:a14="http://schemas.microsoft.com/office/drawing/2010/main" xmlns="" w="9525">
+                  <a14:hiddenLine xmlns="" xmlns:a14="http://schemas.microsoft.com/office/drawing/2010/main" w="9525">
                     <a:solidFill>
                       <a:srgbClr val="000000"/>
                     </a:solidFill>
@@ -11665,7 +11672,7 @@
               </a:ln>
               <a:extLst>
                 <a:ext uri="{91240B29-F687-4f45-9708-019B960494DF}">
-                  <a14:hiddenLine xmlns:a14="http://schemas.microsoft.com/office/drawing/2010/main" xmlns="" w="9525">
+                  <a14:hiddenLine xmlns="" xmlns:a14="http://schemas.microsoft.com/office/drawing/2010/main" w="9525">
                     <a:solidFill>
                       <a:srgbClr val="000000"/>
                     </a:solidFill>
@@ -11755,7 +11762,7 @@
               </a:ln>
               <a:extLst>
                 <a:ext uri="{91240B29-F687-4f45-9708-019B960494DF}">
-                  <a14:hiddenLine xmlns:a14="http://schemas.microsoft.com/office/drawing/2010/main" xmlns="" w="9525">
+                  <a14:hiddenLine xmlns="" xmlns:a14="http://schemas.microsoft.com/office/drawing/2010/main" w="9525">
                     <a:solidFill>
                       <a:srgbClr val="000000"/>
                     </a:solidFill>
@@ -11789,7 +11796,7 @@
               </a:ln>
               <a:extLst>
                 <a:ext uri="{91240B29-F687-4f45-9708-019B960494DF}">
-                  <a14:hiddenLine xmlns:a14="http://schemas.microsoft.com/office/drawing/2010/main" xmlns="" w="9525">
+                  <a14:hiddenLine xmlns="" xmlns:a14="http://schemas.microsoft.com/office/drawing/2010/main" w="9525">
                     <a:solidFill>
                       <a:srgbClr val="000000"/>
                     </a:solidFill>
@@ -11930,7 +11937,7 @@
             <a:fld id="{48A87A34-81AB-432B-8DAE-1953F412C126}" type="datetimeFigureOut">
               <a:rPr lang="en-US" dirty="0"/>
               <a:pPr/>
-              <a:t>4/23/2016</a:t>
+              <a:t>4/24/2016</a:t>
             </a:fld>
             <a:endParaRPr lang="en-US" dirty="0"/>
           </a:p>
@@ -12356,7 +12363,12 @@
             <p:ph type="ctrTitle"/>
           </p:nvPr>
         </p:nvSpPr>
-        <p:spPr/>
+        <p:spPr>
+          <a:xfrm>
+            <a:off x="3769233" y="2157984"/>
+            <a:ext cx="4570096" cy="940499"/>
+          </a:xfrm>
+        </p:spPr>
         <p:txBody>
           <a:bodyPr/>
           <a:lstStyle/>
@@ -12379,36 +12391,68 @@
             <p:ph type="subTitle" idx="1"/>
           </p:nvPr>
         </p:nvSpPr>
-        <p:spPr/>
+        <p:spPr>
+          <a:xfrm>
+            <a:off x="2982849" y="3437446"/>
+            <a:ext cx="6819520" cy="1655762"/>
+          </a:xfrm>
+        </p:spPr>
         <p:txBody>
           <a:bodyPr/>
           <a:lstStyle/>
           <a:p>
             <a:r>
-              <a:rPr lang="en-US" dirty="0" smtClean="0"/>
-              <a:t>By Ben </a:t>
-            </a:r>
-            <a:r>
-              <a:rPr lang="en-US" dirty="0" err="1" smtClean="0"/>
+              <a:rPr lang="en-US" dirty="0" smtClean="0">
+                <a:solidFill>
+                  <a:schemeClr val="accent2">
+                    <a:lumMod val="20000"/>
+                    <a:lumOff val="80000"/>
+                  </a:schemeClr>
+                </a:solidFill>
+              </a:rPr>
+              <a:t>Ben </a:t>
+            </a:r>
+            <a:r>
+              <a:rPr lang="en-US" dirty="0" err="1" smtClean="0">
+                <a:solidFill>
+                  <a:schemeClr val="accent2">
+                    <a:lumMod val="20000"/>
+                    <a:lumOff val="80000"/>
+                  </a:schemeClr>
+                </a:solidFill>
+              </a:rPr>
               <a:t>dunbar</a:t>
             </a:r>
             <a:r>
-              <a:rPr lang="en-US" dirty="0" smtClean="0"/>
-              <a:t>, Justin Hynes-</a:t>
-            </a:r>
-            <a:r>
-              <a:rPr lang="en-US" dirty="0" err="1" smtClean="0"/>
-              <a:t>Bruell</a:t>
-            </a:r>
-            <a:r>
-              <a:rPr lang="en-US" dirty="0" smtClean="0"/>
-              <a:t>, and bill </a:t>
-            </a:r>
-            <a:r>
-              <a:rPr lang="en-US" dirty="0" err="1" smtClean="0"/>
+              <a:rPr lang="en-US" dirty="0" smtClean="0">
+                <a:solidFill>
+                  <a:schemeClr val="accent2">
+                    <a:lumMod val="20000"/>
+                    <a:lumOff val="80000"/>
+                  </a:schemeClr>
+                </a:solidFill>
+              </a:rPr>
+              <a:t>, Justin Hynes-Bruell, and bill </a:t>
+            </a:r>
+            <a:r>
+              <a:rPr lang="en-US" dirty="0" err="1" smtClean="0">
+                <a:solidFill>
+                  <a:schemeClr val="accent2">
+                    <a:lumMod val="20000"/>
+                    <a:lumOff val="80000"/>
+                  </a:schemeClr>
+                </a:solidFill>
+              </a:rPr>
               <a:t>wisheart</a:t>
             </a:r>
-            <a:endParaRPr lang="en-US" dirty="0"/>
+            <a:endParaRPr lang="en-US" dirty="0">
+              <a:solidFill>
+                <a:schemeClr val="accent2">
+                  <a:lumMod val="20000"/>
+                  <a:lumOff val="80000"/>
+                </a:schemeClr>
+              </a:solidFill>
+            </a:endParaRPr>
           </a:p>
         </p:txBody>
       </p:sp>
@@ -12416,6 +12460,177 @@
     <p:extLst>
       <p:ext uri="{BB962C8B-B14F-4D97-AF65-F5344CB8AC3E}">
         <p14:creationId xmlns:p14="http://schemas.microsoft.com/office/powerpoint/2010/main" val="118621967"/>
+      </p:ext>
+    </p:extLst>
+  </p:cSld>
+  <p:clrMapOvr>
+    <a:masterClrMapping/>
+  </p:clrMapOvr>
+</p:sld>
+</file>
+
+<file path=ppt/slides/slide10.xml><?xml version="1.0" encoding="utf-8"?>
+<p:sld xmlns:a="http://schemas.openxmlformats.org/drawingml/2006/main" xmlns:r="http://schemas.openxmlformats.org/officeDocument/2006/relationships" xmlns:p="http://schemas.openxmlformats.org/presentationml/2006/main">
+  <p:cSld>
+    <p:spTree>
+      <p:nvGrpSpPr>
+        <p:cNvPr id="1" name=""/>
+        <p:cNvGrpSpPr/>
+        <p:nvPr/>
+      </p:nvGrpSpPr>
+      <p:grpSpPr>
+        <a:xfrm>
+          <a:off x="0" y="0"/>
+          <a:ext cx="0" cy="0"/>
+          <a:chOff x="0" y="0"/>
+          <a:chExt cx="0" cy="0"/>
+        </a:xfrm>
+      </p:grpSpPr>
+      <p:sp>
+        <p:nvSpPr>
+          <p:cNvPr id="2" name="Title 1"/>
+          <p:cNvSpPr>
+            <a:spLocks noGrp="1"/>
+          </p:cNvSpPr>
+          <p:nvPr>
+            <p:ph type="title"/>
+          </p:nvPr>
+        </p:nvSpPr>
+        <p:spPr/>
+        <p:txBody>
+          <a:bodyPr/>
+          <a:lstStyle/>
+          <a:p>
+            <a:r>
+              <a:rPr lang="en-US" dirty="0" smtClean="0"/>
+              <a:t>Conclusion</a:t>
+            </a:r>
+            <a:endParaRPr lang="en-US" dirty="0"/>
+          </a:p>
+        </p:txBody>
+      </p:sp>
+      <p:sp>
+        <p:nvSpPr>
+          <p:cNvPr id="3" name="Content Placeholder 2"/>
+          <p:cNvSpPr>
+            <a:spLocks noGrp="1"/>
+          </p:cNvSpPr>
+          <p:nvPr>
+            <p:ph idx="1"/>
+          </p:nvPr>
+        </p:nvSpPr>
+        <p:spPr/>
+        <p:txBody>
+          <a:bodyPr>
+            <a:normAutofit fontScale="70000" lnSpcReduction="20000"/>
+          </a:bodyPr>
+          <a:lstStyle/>
+          <a:p>
+            <a:r>
+              <a:rPr lang="en-US" dirty="0" smtClean="0"/>
+              <a:t>Difficulties faced </a:t>
+            </a:r>
+          </a:p>
+          <a:p>
+            <a:pPr lvl="1"/>
+            <a:r>
+              <a:rPr lang="en-US" dirty="0" smtClean="0"/>
+              <a:t>T</a:t>
+            </a:r>
+            <a:r>
+              <a:rPr lang="en-US" dirty="0" smtClean="0"/>
+              <a:t>asks ended up blocking each other during debug periods</a:t>
+            </a:r>
+          </a:p>
+          <a:p>
+            <a:pPr lvl="1"/>
+            <a:r>
+              <a:rPr lang="en-US" dirty="0" smtClean="0"/>
+              <a:t>Successfully gathering left and right data from the RX chunks</a:t>
+            </a:r>
+          </a:p>
+          <a:p>
+            <a:pPr lvl="1"/>
+            <a:r>
+              <a:rPr lang="en-US" dirty="0" smtClean="0"/>
+              <a:t>Understanding correlations using the convolve method</a:t>
+            </a:r>
+          </a:p>
+          <a:p>
+            <a:r>
+              <a:rPr lang="en-US" dirty="0" smtClean="0"/>
+              <a:t>Solutions created</a:t>
+            </a:r>
+          </a:p>
+          <a:p>
+            <a:pPr lvl="1"/>
+            <a:r>
+              <a:rPr lang="en-US" dirty="0" smtClean="0"/>
+              <a:t>Raised the priority of the output task and ensured it would go into the suspend state so the processing task could run.</a:t>
+            </a:r>
+          </a:p>
+          <a:p>
+            <a:pPr lvl="1"/>
+            <a:r>
+              <a:rPr lang="en-US" dirty="0" smtClean="0"/>
+              <a:t>Gathered left samples with a 24 bit shift on the </a:t>
+            </a:r>
+            <a:r>
+              <a:rPr lang="en-US" dirty="0" err="1" smtClean="0"/>
+              <a:t>pChunk</a:t>
+            </a:r>
+            <a:r>
+              <a:rPr lang="en-US" dirty="0"/>
+              <a:t>-</a:t>
+            </a:r>
+            <a:r>
+              <a:rPr lang="en-US" dirty="0" smtClean="0"/>
+              <a:t>&gt;u16_buff</a:t>
+            </a:r>
+          </a:p>
+          <a:p>
+            <a:pPr lvl="1"/>
+            <a:r>
+              <a:rPr lang="en-US" dirty="0" smtClean="0"/>
+              <a:t>Gathered right samples with a 16 bit shift and then a 0x00FF mask on the data.</a:t>
+            </a:r>
+          </a:p>
+          <a:p>
+            <a:pPr lvl="2"/>
+            <a:r>
+              <a:rPr lang="en-US" dirty="0" smtClean="0"/>
+              <a:t>Placed samples into separate arrays</a:t>
+            </a:r>
+          </a:p>
+          <a:p>
+            <a:pPr lvl="1"/>
+            <a:r>
+              <a:rPr lang="en-US" dirty="0" smtClean="0"/>
+              <a:t>Wrote a function to perform a convolution on two arrays of unsigned </a:t>
+            </a:r>
+            <a:r>
+              <a:rPr lang="en-US" dirty="0" err="1" smtClean="0"/>
+              <a:t>int</a:t>
+            </a:r>
+            <a:r>
+              <a:rPr lang="en-US" dirty="0" smtClean="0"/>
+              <a:t> to determine the phase shift between the two arrays </a:t>
+            </a:r>
+          </a:p>
+          <a:p>
+            <a:pPr lvl="1"/>
+            <a:endParaRPr lang="en-US" dirty="0" smtClean="0"/>
+          </a:p>
+          <a:p>
+            <a:pPr lvl="1"/>
+            <a:endParaRPr lang="en-US" dirty="0"/>
+          </a:p>
+        </p:txBody>
+      </p:sp>
+    </p:spTree>
+    <p:extLst>
+      <p:ext uri="{BB962C8B-B14F-4D97-AF65-F5344CB8AC3E}">
+        <p14:creationId xmlns:p14="http://schemas.microsoft.com/office/powerpoint/2010/main" val="907482458"/>
       </p:ext>
     </p:extLst>
   </p:cSld>
@@ -12694,10 +12909,23 @@
           <a:p>
             <a:r>
               <a:rPr lang="en-US" dirty="0" smtClean="0"/>
-              <a:t>Fixed distance apart (45 mm)</a:t>
-            </a:r>
-          </a:p>
-          <a:p>
+              <a:t>Fixed distance </a:t>
+            </a:r>
+            <a:r>
+              <a:rPr lang="en-US" dirty="0" smtClean="0"/>
+              <a:t>apart</a:t>
+            </a:r>
+          </a:p>
+          <a:p>
+            <a:pPr lvl="1"/>
+            <a:r>
+              <a:rPr lang="en-US" dirty="0" smtClean="0"/>
+              <a:t>0.0327279 </a:t>
+            </a:r>
+            <a:r>
+              <a:rPr lang="en-US" dirty="0"/>
+              <a:t>m</a:t>
+            </a:r>
             <a:endParaRPr lang="en-US" dirty="0" smtClean="0"/>
           </a:p>
         </p:txBody>
@@ -12790,7 +13018,19 @@
           <a:p>
             <a:r>
               <a:rPr lang="en-US" dirty="0" smtClean="0"/>
-              <a:t>Solution approach - Processing </a:t>
+              <a:t>Solution approach </a:t>
+            </a:r>
+            <a:r>
+              <a:rPr lang="en-US" dirty="0" smtClean="0"/>
+              <a:t>– </a:t>
+            </a:r>
+            <a:r>
+              <a:rPr lang="en-US" dirty="0" err="1" smtClean="0"/>
+              <a:t>ProcessinG</a:t>
+            </a:r>
+            <a:r>
+              <a:rPr lang="en-US" dirty="0" smtClean="0"/>
+              <a:t> RX DATA</a:t>
             </a:r>
             <a:endParaRPr lang="en-US" dirty="0"/>
           </a:p>
@@ -12808,10 +13048,177 @@
         </p:nvSpPr>
         <p:spPr/>
         <p:txBody>
-          <a:bodyPr/>
+          <a:bodyPr>
+            <a:normAutofit fontScale="62500" lnSpcReduction="20000"/>
+          </a:bodyPr>
           <a:lstStyle/>
           <a:p>
-            <a:endParaRPr lang="en-US"/>
+            <a:r>
+              <a:rPr lang="en-US" dirty="0" smtClean="0"/>
+              <a:t>Pushed samples onto a queue to get a window of data on the audio signal.</a:t>
+            </a:r>
+          </a:p>
+          <a:p>
+            <a:r>
+              <a:rPr lang="en-US" dirty="0" smtClean="0"/>
+              <a:t>Once the window was full it would start moving via push and pop functions.</a:t>
+            </a:r>
+          </a:p>
+          <a:p>
+            <a:r>
+              <a:rPr lang="en-US" dirty="0" smtClean="0"/>
+              <a:t>The window was a queue class with a left and a right queue</a:t>
+            </a:r>
+          </a:p>
+          <a:p>
+            <a:r>
+              <a:rPr lang="en-US" dirty="0" smtClean="0"/>
+              <a:t>The class provided a function to return the result of a convolution on the members.</a:t>
+            </a:r>
+          </a:p>
+          <a:p>
+            <a:endParaRPr lang="en-US" dirty="0"/>
+          </a:p>
+          <a:p>
+            <a:r>
+              <a:rPr lang="en-US" dirty="0" smtClean="0"/>
+              <a:t>for(</a:t>
+            </a:r>
+            <a:r>
+              <a:rPr lang="en-US" dirty="0" err="1" smtClean="0"/>
+              <a:t>sampleNr</a:t>
+            </a:r>
+            <a:r>
+              <a:rPr lang="en-US" dirty="0" smtClean="0"/>
+              <a:t>=0;sampleNr </a:t>
+            </a:r>
+            <a:r>
+              <a:rPr lang="en-US" dirty="0"/>
+              <a:t>&lt; </a:t>
+            </a:r>
+            <a:r>
+              <a:rPr lang="en-US" dirty="0" err="1"/>
+              <a:t>samplesInChunk;sampleNr</a:t>
+            </a:r>
+            <a:r>
+              <a:rPr lang="en-US" dirty="0"/>
+              <a:t>++) {</a:t>
+            </a:r>
+          </a:p>
+          <a:p>
+            <a:r>
+              <a:rPr lang="en-US" dirty="0"/>
+              <a:t> </a:t>
+            </a:r>
+            <a:r>
+              <a:rPr lang="en-US" dirty="0" err="1"/>
+              <a:t>pThis</a:t>
+            </a:r>
+            <a:r>
+              <a:rPr lang="en-US" dirty="0"/>
+              <a:t>-&gt;left[</a:t>
+            </a:r>
+            <a:r>
+              <a:rPr lang="en-US" dirty="0" err="1"/>
+              <a:t>pThis</a:t>
+            </a:r>
+            <a:r>
+              <a:rPr lang="en-US" dirty="0"/>
+              <a:t>-&gt;position] = ((unsigned </a:t>
+            </a:r>
+            <a:r>
+              <a:rPr lang="en-US" dirty="0" err="1"/>
+              <a:t>int</a:t>
+            </a:r>
+            <a:r>
+              <a:rPr lang="en-US" dirty="0"/>
+              <a:t>)</a:t>
+            </a:r>
+            <a:r>
+              <a:rPr lang="en-US" dirty="0" err="1"/>
+              <a:t>pChunk</a:t>
+            </a:r>
+            <a:r>
+              <a:rPr lang="en-US" dirty="0"/>
+              <a:t>-&gt;u16_buff[</a:t>
+            </a:r>
+            <a:r>
+              <a:rPr lang="en-US" dirty="0" err="1"/>
+              <a:t>sampleNr</a:t>
+            </a:r>
+            <a:r>
+              <a:rPr lang="en-US" dirty="0"/>
+              <a:t>]) &lt;&lt; 24;</a:t>
+            </a:r>
+          </a:p>
+          <a:p>
+            <a:r>
+              <a:rPr lang="en-US" dirty="0"/>
+              <a:t> </a:t>
+            </a:r>
+            <a:r>
+              <a:rPr lang="en-US" dirty="0" err="1"/>
+              <a:t>pThis</a:t>
+            </a:r>
+            <a:r>
+              <a:rPr lang="en-US" dirty="0"/>
+              <a:t>-&gt;right[</a:t>
+            </a:r>
+            <a:r>
+              <a:rPr lang="en-US" dirty="0" err="1"/>
+              <a:t>pThis</a:t>
+            </a:r>
+            <a:r>
+              <a:rPr lang="en-US" dirty="0"/>
+              <a:t>-&gt;position] = 0x00FF &amp; (((unsigned </a:t>
+            </a:r>
+            <a:r>
+              <a:rPr lang="en-US" dirty="0" err="1"/>
+              <a:t>int</a:t>
+            </a:r>
+            <a:r>
+              <a:rPr lang="en-US" dirty="0"/>
+              <a:t>)</a:t>
+            </a:r>
+            <a:r>
+              <a:rPr lang="en-US" dirty="0" err="1"/>
+              <a:t>pChunk</a:t>
+            </a:r>
+            <a:r>
+              <a:rPr lang="en-US" dirty="0"/>
+              <a:t>-&gt;u16_buff[</a:t>
+            </a:r>
+            <a:r>
+              <a:rPr lang="en-US" dirty="0" err="1"/>
+              <a:t>sampleNr</a:t>
+            </a:r>
+            <a:r>
+              <a:rPr lang="en-US" dirty="0"/>
+              <a:t>]) &lt;&lt; 16);</a:t>
+            </a:r>
+          </a:p>
+          <a:p>
+            <a:r>
+              <a:rPr lang="en-US" dirty="0"/>
+              <a:t> </a:t>
+            </a:r>
+            <a:r>
+              <a:rPr lang="en-US" dirty="0" err="1"/>
+              <a:t>pThis</a:t>
+            </a:r>
+            <a:r>
+              <a:rPr lang="en-US" dirty="0"/>
+              <a:t>-&gt;position += 1;</a:t>
+            </a:r>
+          </a:p>
+          <a:p>
+            <a:r>
+              <a:rPr lang="en-US" dirty="0"/>
+              <a:t>}</a:t>
+            </a:r>
+          </a:p>
+          <a:p>
+            <a:endParaRPr lang="en-US" dirty="0"/>
           </a:p>
         </p:txBody>
       </p:sp>
@@ -12861,8 +13268,20 @@
           <a:lstStyle/>
           <a:p>
             <a:r>
+              <a:rPr lang="en-US" dirty="0"/>
+              <a:t>Solution approach – </a:t>
+            </a:r>
+            <a:r>
               <a:rPr lang="en-US" dirty="0" smtClean="0"/>
-              <a:t>Solution approach - Outputs</a:t>
+              <a:t>Processing </a:t>
+            </a:r>
+            <a:r>
+              <a:rPr lang="en-US" dirty="0" err="1" smtClean="0"/>
+              <a:t>Corr</a:t>
+            </a:r>
+            <a:r>
+              <a:rPr lang="en-US" dirty="0" smtClean="0"/>
+              <a:t> </a:t>
             </a:r>
             <a:endParaRPr lang="en-US" dirty="0"/>
           </a:p>
@@ -12883,14 +13302,18 @@
           <a:bodyPr/>
           <a:lstStyle/>
           <a:p>
-            <a:endParaRPr lang="en-US"/>
+            <a:r>
+              <a:rPr lang="en-US" dirty="0" smtClean="0"/>
+              <a:t>This slide will be about taking the two arrays and convolving them to determine to determine the Phase Shift</a:t>
+            </a:r>
+            <a:endParaRPr lang="en-US" dirty="0"/>
           </a:p>
         </p:txBody>
       </p:sp>
     </p:spTree>
     <p:extLst>
       <p:ext uri="{BB962C8B-B14F-4D97-AF65-F5344CB8AC3E}">
-        <p14:creationId xmlns:p14="http://schemas.microsoft.com/office/powerpoint/2010/main" val="1628914227"/>
+        <p14:creationId xmlns:p14="http://schemas.microsoft.com/office/powerpoint/2010/main" val="2649006191"/>
       </p:ext>
     </p:extLst>
   </p:cSld>
@@ -12934,7 +13357,7 @@
           <a:p>
             <a:r>
               <a:rPr lang="en-US" dirty="0" smtClean="0"/>
-              <a:t>Experimental Results</a:t>
+              <a:t>Solution Approach – angle computation</a:t>
             </a:r>
             <a:endParaRPr lang="en-US" dirty="0"/>
           </a:p>
@@ -12952,17 +13375,204 @@
         </p:nvSpPr>
         <p:spPr/>
         <p:txBody>
-          <a:bodyPr/>
+          <a:bodyPr>
+            <a:normAutofit fontScale="25000" lnSpcReduction="20000"/>
+          </a:bodyPr>
           <a:lstStyle/>
           <a:p>
-            <a:endParaRPr lang="en-US"/>
+            <a:r>
+              <a:rPr lang="en-US" dirty="0"/>
+              <a:t> //Get the phase difference from the convolve queue.</a:t>
+            </a:r>
+          </a:p>
+          <a:p>
+            <a:r>
+              <a:rPr lang="en-US" dirty="0"/>
+              <a:t>    </a:t>
+            </a:r>
+            <a:r>
+              <a:rPr lang="en-US" dirty="0" err="1"/>
+              <a:t>int</a:t>
+            </a:r>
+            <a:r>
+              <a:rPr lang="en-US" dirty="0"/>
+              <a:t> </a:t>
+            </a:r>
+            <a:r>
+              <a:rPr lang="en-US" dirty="0" err="1"/>
+              <a:t>samplesDelayed</a:t>
+            </a:r>
+            <a:r>
+              <a:rPr lang="en-US" dirty="0"/>
+              <a:t> = </a:t>
+            </a:r>
+            <a:r>
+              <a:rPr lang="en-US" dirty="0" err="1"/>
+              <a:t>convolveQueue_getSampleCountPhaseDiff</a:t>
+            </a:r>
+            <a:r>
+              <a:rPr lang="en-US" dirty="0"/>
+              <a:t>(&amp;</a:t>
+            </a:r>
+            <a:r>
+              <a:rPr lang="en-US" dirty="0" err="1"/>
+              <a:t>pThis</a:t>
+            </a:r>
+            <a:r>
+              <a:rPr lang="en-US" dirty="0"/>
+              <a:t>-&gt;</a:t>
+            </a:r>
+            <a:r>
+              <a:rPr lang="en-US" dirty="0" err="1"/>
+              <a:t>convQueue</a:t>
+            </a:r>
+            <a:r>
+              <a:rPr lang="en-US" dirty="0"/>
+              <a:t>);</a:t>
+            </a:r>
+          </a:p>
+          <a:p>
+            <a:endParaRPr lang="en-US" dirty="0"/>
+          </a:p>
+          <a:p>
+            <a:r>
+              <a:rPr lang="en-US" dirty="0"/>
+              <a:t>//Angle equation:</a:t>
+            </a:r>
+          </a:p>
+          <a:p>
+            <a:r>
+              <a:rPr lang="en-US" dirty="0"/>
+              <a:t>    //Our calculations will work when the two signals are between -4 and 4 samples</a:t>
+            </a:r>
+          </a:p>
+          <a:p>
+            <a:r>
+              <a:rPr lang="en-US" dirty="0"/>
+              <a:t>    //different in terms of phase offset.</a:t>
+            </a:r>
+          </a:p>
+          <a:p>
+            <a:r>
+              <a:rPr lang="en-US" dirty="0"/>
+              <a:t>    double ratio = (double) SPEED_SOUND * (</a:t>
+            </a:r>
+            <a:r>
+              <a:rPr lang="en-US" dirty="0" err="1"/>
+              <a:t>samplesDelayed</a:t>
+            </a:r>
+            <a:r>
+              <a:rPr lang="en-US" dirty="0"/>
+              <a:t>/SAMPLING_FREQUENCY)/MIC_DISTANCE;</a:t>
+            </a:r>
+          </a:p>
+          <a:p>
+            <a:r>
+              <a:rPr lang="en-US" dirty="0"/>
+              <a:t>double </a:t>
+            </a:r>
+            <a:r>
+              <a:rPr lang="en-US" dirty="0" err="1"/>
+              <a:t>sourceAngle</a:t>
+            </a:r>
+            <a:r>
+              <a:rPr lang="en-US" dirty="0"/>
+              <a:t> = </a:t>
+            </a:r>
+            <a:r>
+              <a:rPr lang="en-US" dirty="0" err="1"/>
+              <a:t>asin</a:t>
+            </a:r>
+            <a:r>
+              <a:rPr lang="en-US" dirty="0"/>
+              <a:t>(ratio);</a:t>
+            </a:r>
+          </a:p>
+          <a:p>
+            <a:r>
+              <a:rPr lang="en-US" dirty="0"/>
+              <a:t>//source angle to degrees</a:t>
+            </a:r>
+          </a:p>
+          <a:p>
+            <a:r>
+              <a:rPr lang="en-US" dirty="0" err="1"/>
+              <a:t>sourceAngle</a:t>
+            </a:r>
+            <a:r>
+              <a:rPr lang="en-US" dirty="0"/>
+              <a:t> = </a:t>
+            </a:r>
+            <a:r>
+              <a:rPr lang="en-US" dirty="0" err="1"/>
+              <a:t>sourceAngle</a:t>
+            </a:r>
+            <a:r>
+              <a:rPr lang="en-US" dirty="0"/>
+              <a:t> * 180.0/PI;</a:t>
+            </a:r>
+          </a:p>
+          <a:p>
+            <a:r>
+              <a:rPr lang="en-US" dirty="0"/>
+              <a:t>    //This calculated angle is the angle away from the line that is equidistant from each</a:t>
+            </a:r>
+          </a:p>
+          <a:p>
+            <a:r>
+              <a:rPr lang="en-US" dirty="0"/>
+              <a:t>    //microphone, which is 90 degrees in our analysis.</a:t>
+            </a:r>
+          </a:p>
+          <a:p>
+            <a:r>
+              <a:rPr lang="en-US" dirty="0"/>
+              <a:t>    </a:t>
+            </a:r>
+            <a:r>
+              <a:rPr lang="en-US" dirty="0" err="1"/>
+              <a:t>int</a:t>
+            </a:r>
+            <a:r>
+              <a:rPr lang="en-US" dirty="0"/>
+              <a:t> angle = 90 + (</a:t>
+            </a:r>
+            <a:r>
+              <a:rPr lang="en-US" dirty="0" err="1"/>
+              <a:t>int</a:t>
+            </a:r>
+            <a:r>
+              <a:rPr lang="en-US" dirty="0"/>
+              <a:t>) </a:t>
+            </a:r>
+            <a:r>
+              <a:rPr lang="en-US" dirty="0" err="1"/>
+              <a:t>sourceAngle</a:t>
+            </a:r>
+            <a:r>
+              <a:rPr lang="en-US" dirty="0"/>
+              <a:t>;</a:t>
+            </a:r>
+          </a:p>
+          <a:p>
+            <a:r>
+              <a:rPr lang="en-US" dirty="0"/>
+              <a:t>//Give tenths of degrees</a:t>
+            </a:r>
+          </a:p>
+          <a:p>
+            <a:r>
+              <a:rPr lang="en-US" dirty="0"/>
+              <a:t>    angle = angle * 10;</a:t>
+            </a:r>
+            <a:endParaRPr lang="en-US" dirty="0"/>
           </a:p>
         </p:txBody>
       </p:sp>
     </p:spTree>
     <p:extLst>
       <p:ext uri="{BB962C8B-B14F-4D97-AF65-F5344CB8AC3E}">
-        <p14:creationId xmlns:p14="http://schemas.microsoft.com/office/powerpoint/2010/main" val="3602618646"/>
+        <p14:creationId xmlns:p14="http://schemas.microsoft.com/office/powerpoint/2010/main" val="1323628139"/>
       </p:ext>
     </p:extLst>
   </p:cSld>
@@ -13006,7 +13616,7 @@
           <a:p>
             <a:r>
               <a:rPr lang="en-US" dirty="0" smtClean="0"/>
-              <a:t>Conclusion</a:t>
+              <a:t>Solution approach - Outputs</a:t>
             </a:r>
             <a:endParaRPr lang="en-US" dirty="0"/>
           </a:p>
@@ -13027,14 +13637,136 @@
           <a:bodyPr/>
           <a:lstStyle/>
           <a:p>
-            <a:endParaRPr lang="en-US"/>
+            <a:r>
+              <a:rPr lang="en-US" dirty="0" smtClean="0"/>
+              <a:t>This slide will go over how the Angle and Distance output was passed to the output task and displayed.</a:t>
+            </a:r>
+            <a:endParaRPr lang="en-US" dirty="0"/>
           </a:p>
         </p:txBody>
       </p:sp>
     </p:spTree>
     <p:extLst>
       <p:ext uri="{BB962C8B-B14F-4D97-AF65-F5344CB8AC3E}">
-        <p14:creationId xmlns:p14="http://schemas.microsoft.com/office/powerpoint/2010/main" val="907482458"/>
+        <p14:creationId xmlns:p14="http://schemas.microsoft.com/office/powerpoint/2010/main" val="1628914227"/>
+      </p:ext>
+    </p:extLst>
+  </p:cSld>
+  <p:clrMapOvr>
+    <a:masterClrMapping/>
+  </p:clrMapOvr>
+</p:sld>
+</file>
+
+<file path=ppt/slides/slide9.xml><?xml version="1.0" encoding="utf-8"?>
+<p:sld xmlns:a="http://schemas.openxmlformats.org/drawingml/2006/main" xmlns:r="http://schemas.openxmlformats.org/officeDocument/2006/relationships" xmlns:p="http://schemas.openxmlformats.org/presentationml/2006/main">
+  <p:cSld>
+    <p:spTree>
+      <p:nvGrpSpPr>
+        <p:cNvPr id="1" name=""/>
+        <p:cNvGrpSpPr/>
+        <p:nvPr/>
+      </p:nvGrpSpPr>
+      <p:grpSpPr>
+        <a:xfrm>
+          <a:off x="0" y="0"/>
+          <a:ext cx="0" cy="0"/>
+          <a:chOff x="0" y="0"/>
+          <a:chExt cx="0" cy="0"/>
+        </a:xfrm>
+      </p:grpSpPr>
+      <p:sp>
+        <p:nvSpPr>
+          <p:cNvPr id="2" name="Title 1"/>
+          <p:cNvSpPr>
+            <a:spLocks noGrp="1"/>
+          </p:cNvSpPr>
+          <p:nvPr>
+            <p:ph type="title"/>
+          </p:nvPr>
+        </p:nvSpPr>
+        <p:spPr/>
+        <p:txBody>
+          <a:bodyPr/>
+          <a:lstStyle/>
+          <a:p>
+            <a:r>
+              <a:rPr lang="en-US" dirty="0" smtClean="0"/>
+              <a:t>Experimental Results</a:t>
+            </a:r>
+            <a:endParaRPr lang="en-US" dirty="0"/>
+          </a:p>
+        </p:txBody>
+      </p:sp>
+      <p:sp>
+        <p:nvSpPr>
+          <p:cNvPr id="3" name="Content Placeholder 2"/>
+          <p:cNvSpPr>
+            <a:spLocks noGrp="1"/>
+          </p:cNvSpPr>
+          <p:nvPr>
+            <p:ph idx="1"/>
+          </p:nvPr>
+        </p:nvSpPr>
+        <p:spPr/>
+        <p:txBody>
+          <a:bodyPr>
+            <a:normAutofit fontScale="92500"/>
+          </a:bodyPr>
+          <a:lstStyle/>
+          <a:p>
+            <a:r>
+              <a:rPr lang="en-US" dirty="0" smtClean="0"/>
+              <a:t>Gathered test files from the mic setup.</a:t>
+            </a:r>
+          </a:p>
+          <a:p>
+            <a:r>
+              <a:rPr lang="en-US" dirty="0" smtClean="0"/>
+              <a:t>Analyzed test files in </a:t>
+            </a:r>
+            <a:r>
+              <a:rPr lang="en-US" dirty="0" err="1" smtClean="0"/>
+              <a:t>MatLab</a:t>
+            </a:r>
+            <a:r>
+              <a:rPr lang="en-US" dirty="0" smtClean="0"/>
+              <a:t> to determine </a:t>
+            </a:r>
+            <a:r>
+              <a:rPr lang="en-US" dirty="0" err="1" smtClean="0"/>
+              <a:t>viablilty</a:t>
+            </a:r>
+            <a:r>
+              <a:rPr lang="en-US" dirty="0" smtClean="0"/>
+              <a:t> of convolution approach.</a:t>
+            </a:r>
+          </a:p>
+          <a:p>
+            <a:r>
+              <a:rPr lang="en-US" dirty="0" smtClean="0"/>
+              <a:t>Output completed, tested once the new workspace was available.</a:t>
+            </a:r>
+          </a:p>
+          <a:p>
+            <a:r>
+              <a:rPr lang="en-US" dirty="0" smtClean="0"/>
+              <a:t>Processing was tested to make sure that given the phase difference, the angle calculation was correct.</a:t>
+            </a:r>
+          </a:p>
+          <a:p>
+            <a:r>
+              <a:rPr lang="en-US" dirty="0" smtClean="0"/>
+              <a:t>In the end the mics could pick up audio, the processor could analyze the signal, and the LEDs and OLED screen could successfully return the calculated result.</a:t>
+            </a:r>
+            <a:endParaRPr lang="en-US" dirty="0"/>
+          </a:p>
+        </p:txBody>
+      </p:sp>
+    </p:spTree>
+    <p:extLst>
+      <p:ext uri="{BB962C8B-B14F-4D97-AF65-F5344CB8AC3E}">
+        <p14:creationId xmlns:p14="http://schemas.microsoft.com/office/powerpoint/2010/main" val="3602618646"/>
       </p:ext>
     </p:extLst>
   </p:cSld>
